--- a/ch5/第五章 part1.pptx
+++ b/ch5/第五章 part1.pptx
@@ -233,7 +233,7 @@
           <a:p>
             <a:fld id="{FEECDF4F-7B1D-FD4D-ACC5-8E28AD75514B}" type="datetimeFigureOut">
               <a:rPr kumimoji="1" lang="zh-CN" altLang="en-US" smtClean="0"/>
-              <a:t>2020/4/20</a:t>
+              <a:t>2020/4/22</a:t>
             </a:fld>
             <a:endParaRPr kumimoji="1" lang="zh-CN" altLang="en-US"/>
           </a:p>
@@ -731,7 +731,7 @@
           <a:p>
             <a:fld id="{7D0725F1-A6F9-3549-9D8B-2F11C9A91B4A}" type="datetimeFigureOut">
               <a:rPr kumimoji="1" lang="zh-CN" altLang="en-US" smtClean="0"/>
-              <a:t>2020/4/20</a:t>
+              <a:t>2020/4/22</a:t>
             </a:fld>
             <a:endParaRPr kumimoji="1" lang="zh-CN" altLang="en-US"/>
           </a:p>
@@ -929,7 +929,7 @@
           <a:p>
             <a:fld id="{7D0725F1-A6F9-3549-9D8B-2F11C9A91B4A}" type="datetimeFigureOut">
               <a:rPr kumimoji="1" lang="zh-CN" altLang="en-US" smtClean="0"/>
-              <a:t>2020/4/20</a:t>
+              <a:t>2020/4/22</a:t>
             </a:fld>
             <a:endParaRPr kumimoji="1" lang="zh-CN" altLang="en-US"/>
           </a:p>
@@ -1137,7 +1137,7 @@
           <a:p>
             <a:fld id="{7D0725F1-A6F9-3549-9D8B-2F11C9A91B4A}" type="datetimeFigureOut">
               <a:rPr kumimoji="1" lang="zh-CN" altLang="en-US" smtClean="0"/>
-              <a:t>2020/4/20</a:t>
+              <a:t>2020/4/22</a:t>
             </a:fld>
             <a:endParaRPr kumimoji="1" lang="zh-CN" altLang="en-US"/>
           </a:p>
@@ -1794,7 +1794,7 @@
           <a:p>
             <a:fld id="{7D0725F1-A6F9-3549-9D8B-2F11C9A91B4A}" type="datetimeFigureOut">
               <a:rPr kumimoji="1" lang="zh-CN" altLang="en-US" smtClean="0"/>
-              <a:t>2020/4/20</a:t>
+              <a:t>2020/4/22</a:t>
             </a:fld>
             <a:endParaRPr kumimoji="1" lang="zh-CN" altLang="en-US"/>
           </a:p>
@@ -2069,7 +2069,7 @@
           <a:p>
             <a:fld id="{7D0725F1-A6F9-3549-9D8B-2F11C9A91B4A}" type="datetimeFigureOut">
               <a:rPr kumimoji="1" lang="zh-CN" altLang="en-US" smtClean="0"/>
-              <a:t>2020/4/20</a:t>
+              <a:t>2020/4/22</a:t>
             </a:fld>
             <a:endParaRPr kumimoji="1" lang="zh-CN" altLang="en-US"/>
           </a:p>
@@ -2334,7 +2334,7 @@
           <a:p>
             <a:fld id="{7D0725F1-A6F9-3549-9D8B-2F11C9A91B4A}" type="datetimeFigureOut">
               <a:rPr kumimoji="1" lang="zh-CN" altLang="en-US" smtClean="0"/>
-              <a:t>2020/4/20</a:t>
+              <a:t>2020/4/22</a:t>
             </a:fld>
             <a:endParaRPr kumimoji="1" lang="zh-CN" altLang="en-US"/>
           </a:p>
@@ -2746,7 +2746,7 @@
           <a:p>
             <a:fld id="{7D0725F1-A6F9-3549-9D8B-2F11C9A91B4A}" type="datetimeFigureOut">
               <a:rPr kumimoji="1" lang="zh-CN" altLang="en-US" smtClean="0"/>
-              <a:t>2020/4/20</a:t>
+              <a:t>2020/4/22</a:t>
             </a:fld>
             <a:endParaRPr kumimoji="1" lang="zh-CN" altLang="en-US"/>
           </a:p>
@@ -2887,7 +2887,7 @@
           <a:p>
             <a:fld id="{7D0725F1-A6F9-3549-9D8B-2F11C9A91B4A}" type="datetimeFigureOut">
               <a:rPr kumimoji="1" lang="zh-CN" altLang="en-US" smtClean="0"/>
-              <a:t>2020/4/20</a:t>
+              <a:t>2020/4/22</a:t>
             </a:fld>
             <a:endParaRPr kumimoji="1" lang="zh-CN" altLang="en-US"/>
           </a:p>
@@ -3000,7 +3000,7 @@
           <a:p>
             <a:fld id="{7D0725F1-A6F9-3549-9D8B-2F11C9A91B4A}" type="datetimeFigureOut">
               <a:rPr kumimoji="1" lang="zh-CN" altLang="en-US" smtClean="0"/>
-              <a:t>2020/4/20</a:t>
+              <a:t>2020/4/22</a:t>
             </a:fld>
             <a:endParaRPr kumimoji="1" lang="zh-CN" altLang="en-US"/>
           </a:p>
@@ -3311,7 +3311,7 @@
           <a:p>
             <a:fld id="{7D0725F1-A6F9-3549-9D8B-2F11C9A91B4A}" type="datetimeFigureOut">
               <a:rPr kumimoji="1" lang="zh-CN" altLang="en-US" smtClean="0"/>
-              <a:t>2020/4/20</a:t>
+              <a:t>2020/4/22</a:t>
             </a:fld>
             <a:endParaRPr kumimoji="1" lang="zh-CN" altLang="en-US"/>
           </a:p>
@@ -3599,7 +3599,7 @@
           <a:p>
             <a:fld id="{7D0725F1-A6F9-3549-9D8B-2F11C9A91B4A}" type="datetimeFigureOut">
               <a:rPr kumimoji="1" lang="zh-CN" altLang="en-US" smtClean="0"/>
-              <a:t>2020/4/20</a:t>
+              <a:t>2020/4/22</a:t>
             </a:fld>
             <a:endParaRPr kumimoji="1" lang="zh-CN" altLang="en-US"/>
           </a:p>
@@ -3840,7 +3840,7 @@
           <a:p>
             <a:fld id="{7D0725F1-A6F9-3549-9D8B-2F11C9A91B4A}" type="datetimeFigureOut">
               <a:rPr kumimoji="1" lang="zh-CN" altLang="en-US" smtClean="0"/>
-              <a:t>2020/4/20</a:t>
+              <a:t>2020/4/22</a:t>
             </a:fld>
             <a:endParaRPr kumimoji="1" lang="zh-CN" altLang="en-US"/>
           </a:p>
@@ -12295,7 +12295,7 @@
           <a:graphicData uri="http://schemas.openxmlformats.org/presentationml/2006/ole">
             <mc:AlternateContent xmlns:mc="http://schemas.openxmlformats.org/markup-compatibility/2006">
               <mc:Choice xmlns:v="urn:schemas-microsoft-com:vml" Requires="v">
-                <p:oleObj spid="_x0000_s4104" name="Bitmap Image" r:id="rId3" imgW="2146300" imgH="1644650" progId="Paint.Picture">
+                <p:oleObj spid="_x0000_s4105" name="Bitmap Image" r:id="rId3" imgW="2146300" imgH="1644650" progId="Paint.Picture">
                   <p:embed/>
                 </p:oleObj>
               </mc:Choice>
@@ -33215,7 +33215,10 @@
           <a:bodyPr/>
           <a:lstStyle/>
           <a:p>
-            <a:endParaRPr kumimoji="1" lang="zh-CN" altLang="en-US"/>
+            <a:r>
+              <a:rPr kumimoji="1" lang="zh-CN" altLang="en-US" dirty="0"/>
+              <a:t>作业</a:t>
+            </a:r>
           </a:p>
         </p:txBody>
       </p:sp>
@@ -33240,7 +33243,56 @@
           <a:bodyPr/>
           <a:lstStyle/>
           <a:p>
-            <a:endParaRPr kumimoji="1" lang="zh-CN" altLang="en-US"/>
+            <a:r>
+              <a:rPr kumimoji="1" lang="en-US" altLang="zh-CN" dirty="0"/>
+              <a:t>HashMap</a:t>
+            </a:r>
+            <a:r>
+              <a:rPr kumimoji="1" lang="zh-CN" altLang="en-US" dirty="0"/>
+              <a:t>是怎么解决哈希冲突的？</a:t>
+            </a:r>
+          </a:p>
+          <a:p>
+            <a:r>
+              <a:rPr kumimoji="1" lang="en-US" altLang="zh-CN" dirty="0"/>
+              <a:t>HashMap</a:t>
+            </a:r>
+            <a:r>
+              <a:rPr kumimoji="1" lang="zh-CN" altLang="en-US" dirty="0"/>
+              <a:t>与</a:t>
+            </a:r>
+            <a:r>
+              <a:rPr kumimoji="1" lang="en-US" altLang="zh-CN" dirty="0" err="1"/>
+              <a:t>HashTable</a:t>
+            </a:r>
+            <a:r>
+              <a:rPr kumimoji="1" lang="zh-CN" altLang="en-US" dirty="0"/>
+              <a:t>的区别？</a:t>
+            </a:r>
+          </a:p>
+          <a:p>
+            <a:r>
+              <a:rPr kumimoji="1" lang="zh-CN" altLang="en-US" dirty="0"/>
+              <a:t>说说常见的集合有哪些吧？</a:t>
+            </a:r>
+          </a:p>
+          <a:p>
+            <a:r>
+              <a:rPr kumimoji="1" lang="en-US" altLang="zh-CN" dirty="0"/>
+              <a:t>HashMap</a:t>
+            </a:r>
+            <a:r>
+              <a:rPr kumimoji="1" lang="zh-CN" altLang="en-US" dirty="0"/>
+              <a:t>的</a:t>
+            </a:r>
+            <a:r>
+              <a:rPr kumimoji="1" lang="en-US" altLang="zh-CN" dirty="0"/>
+              <a:t>put</a:t>
+            </a:r>
+            <a:r>
+              <a:rPr kumimoji="1" lang="zh-CN" altLang="en-US"/>
+              <a:t>方法的具体流程？</a:t>
+            </a:r>
           </a:p>
         </p:txBody>
       </p:sp>
